--- a/Presentasi/Pertemuan 5 Percabangan dan Perulangan.pptx
+++ b/Presentasi/Pertemuan 5 Percabangan dan Perulangan.pptx
@@ -197,7 +197,7 @@
             <a:fld id="{4B2B8F94-9F64-4C32-9EE5-2C881C0B4A23}" type="datetimeFigureOut">
               <a:rPr lang="id-ID" smtClean="0"/>
               <a:pPr/>
-              <a:t>15/10/2014</a:t>
+              <a:t>03/12/2014</a:t>
             </a:fld>
             <a:endParaRPr lang="id-ID"/>
           </a:p>
@@ -368,7 +368,7 @@
     </p:spTree>
     <p:extLst>
       <p:ext uri="{BB962C8B-B14F-4D97-AF65-F5344CB8AC3E}">
-        <p14:creationId xmlns:p14="http://schemas.microsoft.com/office/powerpoint/2010/main" val="3766888678"/>
+        <p14:creationId xmlns:p14="http://schemas.microsoft.com/office/powerpoint/2010/main" xmlns="" val="3766888678"/>
       </p:ext>
     </p:extLst>
   </p:cSld>
@@ -732,7 +732,7 @@
             <a:fld id="{57BD96D6-C18B-437E-98C8-CCC93CF4B087}" type="datetimeFigureOut">
               <a:rPr lang="id-ID" smtClean="0"/>
               <a:pPr/>
-              <a:t>15/10/2014</a:t>
+              <a:t>03/12/2014</a:t>
             </a:fld>
             <a:endParaRPr lang="id-ID"/>
           </a:p>
@@ -899,7 +899,7 @@
             <a:fld id="{57BD96D6-C18B-437E-98C8-CCC93CF4B087}" type="datetimeFigureOut">
               <a:rPr lang="id-ID" smtClean="0"/>
               <a:pPr/>
-              <a:t>15/10/2014</a:t>
+              <a:t>03/12/2014</a:t>
             </a:fld>
             <a:endParaRPr lang="id-ID"/>
           </a:p>
@@ -1076,7 +1076,7 @@
             <a:fld id="{57BD96D6-C18B-437E-98C8-CCC93CF4B087}" type="datetimeFigureOut">
               <a:rPr lang="id-ID" smtClean="0"/>
               <a:pPr/>
-              <a:t>15/10/2014</a:t>
+              <a:t>03/12/2014</a:t>
             </a:fld>
             <a:endParaRPr lang="id-ID"/>
           </a:p>
@@ -1243,7 +1243,7 @@
             <a:fld id="{57BD96D6-C18B-437E-98C8-CCC93CF4B087}" type="datetimeFigureOut">
               <a:rPr lang="id-ID" smtClean="0"/>
               <a:pPr/>
-              <a:t>15/10/2014</a:t>
+              <a:t>03/12/2014</a:t>
             </a:fld>
             <a:endParaRPr lang="id-ID"/>
           </a:p>
@@ -1486,7 +1486,7 @@
             <a:fld id="{57BD96D6-C18B-437E-98C8-CCC93CF4B087}" type="datetimeFigureOut">
               <a:rPr lang="id-ID" smtClean="0"/>
               <a:pPr/>
-              <a:t>15/10/2014</a:t>
+              <a:t>03/12/2014</a:t>
             </a:fld>
             <a:endParaRPr lang="id-ID"/>
           </a:p>
@@ -1771,7 +1771,7 @@
             <a:fld id="{57BD96D6-C18B-437E-98C8-CCC93CF4B087}" type="datetimeFigureOut">
               <a:rPr lang="id-ID" smtClean="0"/>
               <a:pPr/>
-              <a:t>15/10/2014</a:t>
+              <a:t>03/12/2014</a:t>
             </a:fld>
             <a:endParaRPr lang="id-ID"/>
           </a:p>
@@ -2190,7 +2190,7 @@
             <a:fld id="{57BD96D6-C18B-437E-98C8-CCC93CF4B087}" type="datetimeFigureOut">
               <a:rPr lang="id-ID" smtClean="0"/>
               <a:pPr/>
-              <a:t>15/10/2014</a:t>
+              <a:t>03/12/2014</a:t>
             </a:fld>
             <a:endParaRPr lang="id-ID"/>
           </a:p>
@@ -2305,7 +2305,7 @@
             <a:fld id="{57BD96D6-C18B-437E-98C8-CCC93CF4B087}" type="datetimeFigureOut">
               <a:rPr lang="id-ID" smtClean="0"/>
               <a:pPr/>
-              <a:t>15/10/2014</a:t>
+              <a:t>03/12/2014</a:t>
             </a:fld>
             <a:endParaRPr lang="id-ID"/>
           </a:p>
@@ -2397,7 +2397,7 @@
             <a:fld id="{57BD96D6-C18B-437E-98C8-CCC93CF4B087}" type="datetimeFigureOut">
               <a:rPr lang="id-ID" smtClean="0"/>
               <a:pPr/>
-              <a:t>15/10/2014</a:t>
+              <a:t>03/12/2014</a:t>
             </a:fld>
             <a:endParaRPr lang="id-ID"/>
           </a:p>
@@ -2671,7 +2671,7 @@
             <a:fld id="{57BD96D6-C18B-437E-98C8-CCC93CF4B087}" type="datetimeFigureOut">
               <a:rPr lang="id-ID" smtClean="0"/>
               <a:pPr/>
-              <a:t>15/10/2014</a:t>
+              <a:t>03/12/2014</a:t>
             </a:fld>
             <a:endParaRPr lang="id-ID"/>
           </a:p>
@@ -2921,7 +2921,7 @@
             <a:fld id="{57BD96D6-C18B-437E-98C8-CCC93CF4B087}" type="datetimeFigureOut">
               <a:rPr lang="id-ID" smtClean="0"/>
               <a:pPr/>
-              <a:t>15/10/2014</a:t>
+              <a:t>03/12/2014</a:t>
             </a:fld>
             <a:endParaRPr lang="id-ID"/>
           </a:p>
@@ -3194,7 +3194,7 @@
             <a:fld id="{57BD96D6-C18B-437E-98C8-CCC93CF4B087}" type="datetimeFigureOut">
               <a:rPr lang="id-ID" smtClean="0"/>
               <a:pPr/>
-              <a:t>15/10/2014</a:t>
+              <a:t>03/12/2014</a:t>
             </a:fld>
             <a:endParaRPr lang="id-ID"/>
           </a:p>
@@ -3732,10 +3732,16 @@
           <a:lstStyle/>
           <a:p>
             <a:r>
-              <a:rPr lang="en-US" dirty="0" smtClean="0"/>
+              <a:rPr lang="en-US" dirty="0" smtClean="0">
+                <a:latin typeface="Times New Roman" pitchFamily="18" charset="0"/>
+                <a:cs typeface="Times New Roman" pitchFamily="18" charset="0"/>
+              </a:rPr>
               <a:t>Break</a:t>
             </a:r>
-            <a:endParaRPr lang="en-US" dirty="0"/>
+            <a:endParaRPr lang="en-US" dirty="0">
+              <a:latin typeface="Times New Roman" pitchFamily="18" charset="0"/>
+              <a:cs typeface="Times New Roman" pitchFamily="18" charset="0"/>
+            </a:endParaRPr>
           </a:p>
         </p:txBody>
       </p:sp>
@@ -3755,97 +3761,166 @@
           <a:lstStyle/>
           <a:p>
             <a:r>
-              <a:rPr lang="en-US" dirty="0" smtClean="0"/>
+              <a:rPr lang="en-US" dirty="0" smtClean="0">
+                <a:latin typeface="Times New Roman" pitchFamily="18" charset="0"/>
+                <a:cs typeface="Times New Roman" pitchFamily="18" charset="0"/>
+              </a:rPr>
               <a:t>Break </a:t>
             </a:r>
             <a:r>
-              <a:rPr lang="en-US" dirty="0" err="1" smtClean="0"/>
+              <a:rPr lang="en-US" dirty="0" err="1" smtClean="0">
+                <a:latin typeface="Times New Roman" pitchFamily="18" charset="0"/>
+                <a:cs typeface="Times New Roman" pitchFamily="18" charset="0"/>
+              </a:rPr>
               <a:t>digunakan</a:t>
             </a:r>
             <a:r>
-              <a:rPr lang="en-US" dirty="0" smtClean="0"/>
+              <a:rPr lang="en-US" dirty="0" smtClean="0">
+                <a:latin typeface="Times New Roman" pitchFamily="18" charset="0"/>
+                <a:cs typeface="Times New Roman" pitchFamily="18" charset="0"/>
+              </a:rPr>
               <a:t> </a:t>
             </a:r>
             <a:r>
-              <a:rPr lang="en-US" dirty="0" err="1" smtClean="0"/>
+              <a:rPr lang="en-US" dirty="0" err="1" smtClean="0">
+                <a:latin typeface="Times New Roman" pitchFamily="18" charset="0"/>
+                <a:cs typeface="Times New Roman" pitchFamily="18" charset="0"/>
+              </a:rPr>
               <a:t>untuk</a:t>
             </a:r>
             <a:r>
-              <a:rPr lang="en-US" dirty="0" smtClean="0"/>
+              <a:rPr lang="en-US" dirty="0" smtClean="0">
+                <a:latin typeface="Times New Roman" pitchFamily="18" charset="0"/>
+                <a:cs typeface="Times New Roman" pitchFamily="18" charset="0"/>
+              </a:rPr>
               <a:t> </a:t>
             </a:r>
             <a:r>
-              <a:rPr lang="en-US" dirty="0" err="1" smtClean="0"/>
+              <a:rPr lang="en-US" dirty="0" err="1" smtClean="0">
+                <a:latin typeface="Times New Roman" pitchFamily="18" charset="0"/>
+                <a:cs typeface="Times New Roman" pitchFamily="18" charset="0"/>
+              </a:rPr>
               <a:t>menghentikan</a:t>
             </a:r>
             <a:r>
-              <a:rPr lang="en-US" dirty="0" smtClean="0"/>
+              <a:rPr lang="en-US" dirty="0" smtClean="0">
+                <a:latin typeface="Times New Roman" pitchFamily="18" charset="0"/>
+                <a:cs typeface="Times New Roman" pitchFamily="18" charset="0"/>
+              </a:rPr>
               <a:t> </a:t>
             </a:r>
             <a:r>
-              <a:rPr lang="en-US" dirty="0" err="1" smtClean="0"/>
+              <a:rPr lang="en-US" dirty="0" err="1" smtClean="0">
+                <a:latin typeface="Times New Roman" pitchFamily="18" charset="0"/>
+                <a:cs typeface="Times New Roman" pitchFamily="18" charset="0"/>
+              </a:rPr>
               <a:t>perulangan</a:t>
             </a:r>
             <a:r>
-              <a:rPr lang="en-US" dirty="0" smtClean="0"/>
+              <a:rPr lang="en-US" dirty="0" smtClean="0">
+                <a:latin typeface="Times New Roman" pitchFamily="18" charset="0"/>
+                <a:cs typeface="Times New Roman" pitchFamily="18" charset="0"/>
+              </a:rPr>
               <a:t>.</a:t>
             </a:r>
           </a:p>
           <a:p>
             <a:r>
-              <a:rPr lang="en-US" dirty="0" err="1" smtClean="0"/>
+              <a:rPr lang="en-US" dirty="0" err="1" smtClean="0">
+                <a:latin typeface="Times New Roman" pitchFamily="18" charset="0"/>
+                <a:cs typeface="Times New Roman" pitchFamily="18" charset="0"/>
+              </a:rPr>
               <a:t>Apabila</a:t>
             </a:r>
             <a:r>
-              <a:rPr lang="en-US" dirty="0" smtClean="0"/>
+              <a:rPr lang="en-US" dirty="0" smtClean="0">
+                <a:latin typeface="Times New Roman" pitchFamily="18" charset="0"/>
+                <a:cs typeface="Times New Roman" pitchFamily="18" charset="0"/>
+              </a:rPr>
               <a:t> </a:t>
             </a:r>
             <a:r>
-              <a:rPr lang="en-US" dirty="0" err="1" smtClean="0"/>
+              <a:rPr lang="en-US" dirty="0" err="1" smtClean="0">
+                <a:latin typeface="Times New Roman" pitchFamily="18" charset="0"/>
+                <a:cs typeface="Times New Roman" pitchFamily="18" charset="0"/>
+              </a:rPr>
               <a:t>menemukan</a:t>
             </a:r>
             <a:r>
-              <a:rPr lang="en-US" dirty="0" smtClean="0"/>
+              <a:rPr lang="en-US" dirty="0" smtClean="0">
+                <a:latin typeface="Times New Roman" pitchFamily="18" charset="0"/>
+                <a:cs typeface="Times New Roman" pitchFamily="18" charset="0"/>
+              </a:rPr>
               <a:t> keyword break, </a:t>
             </a:r>
             <a:r>
-              <a:rPr lang="en-US" dirty="0" err="1" smtClean="0"/>
+              <a:rPr lang="en-US" dirty="0" err="1" smtClean="0">
+                <a:latin typeface="Times New Roman" pitchFamily="18" charset="0"/>
+                <a:cs typeface="Times New Roman" pitchFamily="18" charset="0"/>
+              </a:rPr>
               <a:t>maka</a:t>
             </a:r>
             <a:r>
-              <a:rPr lang="en-US" dirty="0" smtClean="0"/>
+              <a:rPr lang="en-US" dirty="0" smtClean="0">
+                <a:latin typeface="Times New Roman" pitchFamily="18" charset="0"/>
+                <a:cs typeface="Times New Roman" pitchFamily="18" charset="0"/>
+              </a:rPr>
               <a:t> </a:t>
             </a:r>
             <a:r>
-              <a:rPr lang="en-US" dirty="0" err="1" smtClean="0"/>
+              <a:rPr lang="en-US" dirty="0" err="1" smtClean="0">
+                <a:latin typeface="Times New Roman" pitchFamily="18" charset="0"/>
+                <a:cs typeface="Times New Roman" pitchFamily="18" charset="0"/>
+              </a:rPr>
               <a:t>perulangan</a:t>
             </a:r>
             <a:r>
-              <a:rPr lang="en-US" dirty="0" smtClean="0"/>
+              <a:rPr lang="en-US" dirty="0" smtClean="0">
+                <a:latin typeface="Times New Roman" pitchFamily="18" charset="0"/>
+                <a:cs typeface="Times New Roman" pitchFamily="18" charset="0"/>
+              </a:rPr>
               <a:t> </a:t>
             </a:r>
             <a:r>
-              <a:rPr lang="en-US" dirty="0" err="1" smtClean="0"/>
+              <a:rPr lang="en-US" dirty="0" err="1" smtClean="0">
+                <a:latin typeface="Times New Roman" pitchFamily="18" charset="0"/>
+                <a:cs typeface="Times New Roman" pitchFamily="18" charset="0"/>
+              </a:rPr>
               <a:t>akan</a:t>
             </a:r>
             <a:r>
-              <a:rPr lang="en-US" dirty="0" smtClean="0"/>
+              <a:rPr lang="en-US" dirty="0" smtClean="0">
+                <a:latin typeface="Times New Roman" pitchFamily="18" charset="0"/>
+                <a:cs typeface="Times New Roman" pitchFamily="18" charset="0"/>
+              </a:rPr>
               <a:t> </a:t>
             </a:r>
             <a:r>
-              <a:rPr lang="en-US" dirty="0" err="1" smtClean="0"/>
+              <a:rPr lang="en-US" dirty="0" err="1" smtClean="0">
+                <a:latin typeface="Times New Roman" pitchFamily="18" charset="0"/>
+                <a:cs typeface="Times New Roman" pitchFamily="18" charset="0"/>
+              </a:rPr>
               <a:t>langsung</a:t>
             </a:r>
             <a:r>
-              <a:rPr lang="en-US" dirty="0" smtClean="0"/>
+              <a:rPr lang="en-US" dirty="0" smtClean="0">
+                <a:latin typeface="Times New Roman" pitchFamily="18" charset="0"/>
+                <a:cs typeface="Times New Roman" pitchFamily="18" charset="0"/>
+              </a:rPr>
               <a:t> </a:t>
             </a:r>
             <a:r>
-              <a:rPr lang="en-US" dirty="0" err="1" smtClean="0"/>
+              <a:rPr lang="en-US" dirty="0" err="1" smtClean="0">
+                <a:latin typeface="Times New Roman" pitchFamily="18" charset="0"/>
+                <a:cs typeface="Times New Roman" pitchFamily="18" charset="0"/>
+              </a:rPr>
               <a:t>berhenti</a:t>
             </a:r>
             <a:r>
-              <a:rPr lang="en-US" dirty="0" smtClean="0"/>
+              <a:rPr lang="en-US" dirty="0" smtClean="0">
+                <a:latin typeface="Times New Roman" pitchFamily="18" charset="0"/>
+                <a:cs typeface="Times New Roman" pitchFamily="18" charset="0"/>
+              </a:rPr>
               <a:t>.</a:t>
             </a:r>
           </a:p>
@@ -3853,14 +3928,17 @@
             <a:pPr marL="0" indent="0">
               <a:buNone/>
             </a:pPr>
-            <a:endParaRPr lang="en-US" dirty="0"/>
+            <a:endParaRPr lang="en-US" dirty="0">
+              <a:latin typeface="Times New Roman" pitchFamily="18" charset="0"/>
+              <a:cs typeface="Times New Roman" pitchFamily="18" charset="0"/>
+            </a:endParaRPr>
           </a:p>
         </p:txBody>
       </p:sp>
     </p:spTree>
     <p:extLst>
       <p:ext uri="{BB962C8B-B14F-4D97-AF65-F5344CB8AC3E}">
-        <p14:creationId xmlns:p14="http://schemas.microsoft.com/office/powerpoint/2010/main" val="2902222025"/>
+        <p14:creationId xmlns:p14="http://schemas.microsoft.com/office/powerpoint/2010/main" xmlns="" val="2902222025"/>
       </p:ext>
     </p:extLst>
   </p:cSld>
@@ -3903,14 +3981,23 @@
           <a:lstStyle/>
           <a:p>
             <a:r>
-              <a:rPr lang="en-US" dirty="0" err="1" smtClean="0"/>
+              <a:rPr lang="en-US" dirty="0" err="1" smtClean="0">
+                <a:latin typeface="Times New Roman" pitchFamily="18" charset="0"/>
+                <a:cs typeface="Times New Roman" pitchFamily="18" charset="0"/>
+              </a:rPr>
               <a:t>Contoh</a:t>
             </a:r>
             <a:r>
-              <a:rPr lang="en-US" dirty="0" smtClean="0"/>
+              <a:rPr lang="en-US" dirty="0" smtClean="0">
+                <a:latin typeface="Times New Roman" pitchFamily="18" charset="0"/>
+                <a:cs typeface="Times New Roman" pitchFamily="18" charset="0"/>
+              </a:rPr>
               <a:t> Break</a:t>
             </a:r>
-            <a:endParaRPr lang="en-US" dirty="0"/>
+            <a:endParaRPr lang="en-US" dirty="0">
+              <a:latin typeface="Times New Roman" pitchFamily="18" charset="0"/>
+              <a:cs typeface="Times New Roman" pitchFamily="18" charset="0"/>
+            </a:endParaRPr>
           </a:p>
         </p:txBody>
       </p:sp>
@@ -3933,15 +4020,24 @@
               <a:buNone/>
             </a:pPr>
             <a:r>
-              <a:rPr lang="en-US" dirty="0"/>
+              <a:rPr lang="en-US" dirty="0">
+                <a:latin typeface="Times New Roman" pitchFamily="18" charset="0"/>
+                <a:cs typeface="Times New Roman" pitchFamily="18" charset="0"/>
+              </a:rPr>
               <a:t>for </a:t>
             </a:r>
             <a:r>
-              <a:rPr lang="en-US" dirty="0" err="1"/>
+              <a:rPr lang="en-US" dirty="0" err="1">
+                <a:latin typeface="Times New Roman" pitchFamily="18" charset="0"/>
+                <a:cs typeface="Times New Roman" pitchFamily="18" charset="0"/>
+              </a:rPr>
               <a:t>i</a:t>
             </a:r>
             <a:r>
-              <a:rPr lang="en-US" dirty="0"/>
+              <a:rPr lang="en-US" dirty="0">
+                <a:latin typeface="Times New Roman" pitchFamily="18" charset="0"/>
+                <a:cs typeface="Times New Roman" pitchFamily="18" charset="0"/>
+              </a:rPr>
               <a:t> in range(1,6):</a:t>
             </a:r>
           </a:p>
@@ -3950,15 +4046,24 @@
               <a:buNone/>
             </a:pPr>
             <a:r>
-              <a:rPr lang="en-US" dirty="0"/>
+              <a:rPr lang="en-US" dirty="0">
+                <a:latin typeface="Times New Roman" pitchFamily="18" charset="0"/>
+                <a:cs typeface="Times New Roman" pitchFamily="18" charset="0"/>
+              </a:rPr>
               <a:t>    if </a:t>
             </a:r>
             <a:r>
-              <a:rPr lang="en-US" dirty="0" err="1"/>
+              <a:rPr lang="en-US" dirty="0" err="1">
+                <a:latin typeface="Times New Roman" pitchFamily="18" charset="0"/>
+                <a:cs typeface="Times New Roman" pitchFamily="18" charset="0"/>
+              </a:rPr>
               <a:t>i</a:t>
             </a:r>
             <a:r>
-              <a:rPr lang="en-US" dirty="0"/>
+              <a:rPr lang="en-US" dirty="0">
+                <a:latin typeface="Times New Roman" pitchFamily="18" charset="0"/>
+                <a:cs typeface="Times New Roman" pitchFamily="18" charset="0"/>
+              </a:rPr>
               <a:t>==4:</a:t>
             </a:r>
           </a:p>
@@ -3967,7 +4072,10 @@
               <a:buNone/>
             </a:pPr>
             <a:r>
-              <a:rPr lang="en-US" dirty="0"/>
+              <a:rPr lang="en-US" dirty="0">
+                <a:latin typeface="Times New Roman" pitchFamily="18" charset="0"/>
+                <a:cs typeface="Times New Roman" pitchFamily="18" charset="0"/>
+              </a:rPr>
               <a:t>        break</a:t>
             </a:r>
           </a:p>
@@ -3976,15 +4084,24 @@
               <a:buNone/>
             </a:pPr>
             <a:r>
-              <a:rPr lang="en-US" dirty="0"/>
+              <a:rPr lang="en-US" dirty="0">
+                <a:latin typeface="Times New Roman" pitchFamily="18" charset="0"/>
+                <a:cs typeface="Times New Roman" pitchFamily="18" charset="0"/>
+              </a:rPr>
               <a:t>    print(</a:t>
             </a:r>
             <a:r>
-              <a:rPr lang="en-US" dirty="0" err="1"/>
+              <a:rPr lang="en-US" dirty="0" err="1">
+                <a:latin typeface="Times New Roman" pitchFamily="18" charset="0"/>
+                <a:cs typeface="Times New Roman" pitchFamily="18" charset="0"/>
+              </a:rPr>
               <a:t>i</a:t>
             </a:r>
             <a:r>
-              <a:rPr lang="en-US" dirty="0"/>
+              <a:rPr lang="en-US" dirty="0">
+                <a:latin typeface="Times New Roman" pitchFamily="18" charset="0"/>
+                <a:cs typeface="Times New Roman" pitchFamily="18" charset="0"/>
+              </a:rPr>
               <a:t>)</a:t>
             </a:r>
           </a:p>
@@ -3993,31 +4110,52 @@
               <a:buNone/>
             </a:pPr>
             <a:r>
-              <a:rPr lang="en-US" dirty="0"/>
+              <a:rPr lang="en-US" dirty="0">
+                <a:latin typeface="Times New Roman" pitchFamily="18" charset="0"/>
+                <a:cs typeface="Times New Roman" pitchFamily="18" charset="0"/>
+              </a:rPr>
               <a:t>#</a:t>
             </a:r>
             <a:r>
-              <a:rPr lang="en-US" dirty="0" err="1"/>
+              <a:rPr lang="en-US" dirty="0" err="1">
+                <a:latin typeface="Times New Roman" pitchFamily="18" charset="0"/>
+                <a:cs typeface="Times New Roman" pitchFamily="18" charset="0"/>
+              </a:rPr>
               <a:t>Maka</a:t>
             </a:r>
             <a:r>
-              <a:rPr lang="en-US" dirty="0"/>
+              <a:rPr lang="en-US" dirty="0">
+                <a:latin typeface="Times New Roman" pitchFamily="18" charset="0"/>
+                <a:cs typeface="Times New Roman" pitchFamily="18" charset="0"/>
+              </a:rPr>
               <a:t> yang </a:t>
             </a:r>
             <a:r>
-              <a:rPr lang="en-US" dirty="0" err="1"/>
+              <a:rPr lang="en-US" dirty="0" err="1">
+                <a:latin typeface="Times New Roman" pitchFamily="18" charset="0"/>
+                <a:cs typeface="Times New Roman" pitchFamily="18" charset="0"/>
+              </a:rPr>
               <a:t>dicetak</a:t>
             </a:r>
             <a:r>
-              <a:rPr lang="en-US" dirty="0"/>
+              <a:rPr lang="en-US" dirty="0">
+                <a:latin typeface="Times New Roman" pitchFamily="18" charset="0"/>
+                <a:cs typeface="Times New Roman" pitchFamily="18" charset="0"/>
+              </a:rPr>
               <a:t> </a:t>
             </a:r>
             <a:r>
-              <a:rPr lang="en-US" dirty="0" err="1"/>
+              <a:rPr lang="en-US" dirty="0" err="1">
+                <a:latin typeface="Times New Roman" pitchFamily="18" charset="0"/>
+                <a:cs typeface="Times New Roman" pitchFamily="18" charset="0"/>
+              </a:rPr>
               <a:t>adalah</a:t>
             </a:r>
             <a:r>
-              <a:rPr lang="en-US" dirty="0"/>
+              <a:rPr lang="en-US" dirty="0">
+                <a:latin typeface="Times New Roman" pitchFamily="18" charset="0"/>
+                <a:cs typeface="Times New Roman" pitchFamily="18" charset="0"/>
+              </a:rPr>
               <a:t> 1,2,3</a:t>
             </a:r>
           </a:p>
@@ -4026,104 +4164,176 @@
               <a:buNone/>
             </a:pPr>
             <a:r>
-              <a:rPr lang="en-US" dirty="0"/>
+              <a:rPr lang="en-US" dirty="0">
+                <a:latin typeface="Times New Roman" pitchFamily="18" charset="0"/>
+                <a:cs typeface="Times New Roman" pitchFamily="18" charset="0"/>
+              </a:rPr>
               <a:t>#</a:t>
             </a:r>
             <a:r>
-              <a:rPr lang="en-US" dirty="0" err="1"/>
+              <a:rPr lang="en-US" dirty="0" err="1">
+                <a:latin typeface="Times New Roman" pitchFamily="18" charset="0"/>
+                <a:cs typeface="Times New Roman" pitchFamily="18" charset="0"/>
+              </a:rPr>
               <a:t>Pada</a:t>
             </a:r>
             <a:r>
-              <a:rPr lang="en-US" dirty="0"/>
+              <a:rPr lang="en-US" dirty="0">
+                <a:latin typeface="Times New Roman" pitchFamily="18" charset="0"/>
+                <a:cs typeface="Times New Roman" pitchFamily="18" charset="0"/>
+              </a:rPr>
               <a:t> </a:t>
             </a:r>
             <a:r>
-              <a:rPr lang="en-US" dirty="0" err="1"/>
+              <a:rPr lang="en-US" dirty="0" err="1">
+                <a:latin typeface="Times New Roman" pitchFamily="18" charset="0"/>
+                <a:cs typeface="Times New Roman" pitchFamily="18" charset="0"/>
+              </a:rPr>
               <a:t>saat</a:t>
             </a:r>
             <a:r>
-              <a:rPr lang="en-US" dirty="0"/>
+              <a:rPr lang="en-US" dirty="0">
+                <a:latin typeface="Times New Roman" pitchFamily="18" charset="0"/>
+                <a:cs typeface="Times New Roman" pitchFamily="18" charset="0"/>
+              </a:rPr>
               <a:t> </a:t>
             </a:r>
             <a:r>
-              <a:rPr lang="en-US" dirty="0" err="1"/>
+              <a:rPr lang="en-US" dirty="0" err="1">
+                <a:latin typeface="Times New Roman" pitchFamily="18" charset="0"/>
+                <a:cs typeface="Times New Roman" pitchFamily="18" charset="0"/>
+              </a:rPr>
               <a:t>i</a:t>
             </a:r>
             <a:r>
-              <a:rPr lang="en-US" dirty="0"/>
+              <a:rPr lang="en-US" dirty="0">
+                <a:latin typeface="Times New Roman" pitchFamily="18" charset="0"/>
+                <a:cs typeface="Times New Roman" pitchFamily="18" charset="0"/>
+              </a:rPr>
               <a:t> </a:t>
             </a:r>
             <a:r>
-              <a:rPr lang="en-US" dirty="0" err="1"/>
+              <a:rPr lang="en-US" dirty="0" err="1">
+                <a:latin typeface="Times New Roman" pitchFamily="18" charset="0"/>
+                <a:cs typeface="Times New Roman" pitchFamily="18" charset="0"/>
+              </a:rPr>
               <a:t>mencapai</a:t>
             </a:r>
             <a:r>
-              <a:rPr lang="en-US" dirty="0"/>
+              <a:rPr lang="en-US" dirty="0">
+                <a:latin typeface="Times New Roman" pitchFamily="18" charset="0"/>
+                <a:cs typeface="Times New Roman" pitchFamily="18" charset="0"/>
+              </a:rPr>
               <a:t> </a:t>
             </a:r>
             <a:r>
-              <a:rPr lang="en-US" dirty="0" err="1"/>
+              <a:rPr lang="en-US" dirty="0" err="1">
+                <a:latin typeface="Times New Roman" pitchFamily="18" charset="0"/>
+                <a:cs typeface="Times New Roman" pitchFamily="18" charset="0"/>
+              </a:rPr>
               <a:t>nilai</a:t>
             </a:r>
             <a:r>
-              <a:rPr lang="en-US" dirty="0"/>
+              <a:rPr lang="en-US" dirty="0">
+                <a:latin typeface="Times New Roman" pitchFamily="18" charset="0"/>
+                <a:cs typeface="Times New Roman" pitchFamily="18" charset="0"/>
+              </a:rPr>
               <a:t> 4, </a:t>
             </a:r>
             <a:r>
-              <a:rPr lang="en-US" dirty="0" err="1"/>
+              <a:rPr lang="en-US" dirty="0" err="1">
+                <a:latin typeface="Times New Roman" pitchFamily="18" charset="0"/>
+                <a:cs typeface="Times New Roman" pitchFamily="18" charset="0"/>
+              </a:rPr>
               <a:t>perulangan</a:t>
             </a:r>
             <a:r>
-              <a:rPr lang="en-US" dirty="0"/>
+              <a:rPr lang="en-US" dirty="0">
+                <a:latin typeface="Times New Roman" pitchFamily="18" charset="0"/>
+                <a:cs typeface="Times New Roman" pitchFamily="18" charset="0"/>
+              </a:rPr>
               <a:t> </a:t>
             </a:r>
             <a:r>
-              <a:rPr lang="en-US" dirty="0" err="1"/>
+              <a:rPr lang="en-US" dirty="0" err="1">
+                <a:latin typeface="Times New Roman" pitchFamily="18" charset="0"/>
+                <a:cs typeface="Times New Roman" pitchFamily="18" charset="0"/>
+              </a:rPr>
               <a:t>langsung</a:t>
             </a:r>
             <a:r>
-              <a:rPr lang="en-US" dirty="0"/>
+              <a:rPr lang="en-US" dirty="0">
+                <a:latin typeface="Times New Roman" pitchFamily="18" charset="0"/>
+                <a:cs typeface="Times New Roman" pitchFamily="18" charset="0"/>
+              </a:rPr>
               <a:t> </a:t>
             </a:r>
             <a:r>
-              <a:rPr lang="en-US" dirty="0" err="1"/>
+              <a:rPr lang="en-US" dirty="0" err="1">
+                <a:latin typeface="Times New Roman" pitchFamily="18" charset="0"/>
+                <a:cs typeface="Times New Roman" pitchFamily="18" charset="0"/>
+              </a:rPr>
               <a:t>berhenti</a:t>
             </a:r>
             <a:r>
-              <a:rPr lang="en-US" dirty="0"/>
+              <a:rPr lang="en-US" dirty="0">
+                <a:latin typeface="Times New Roman" pitchFamily="18" charset="0"/>
+                <a:cs typeface="Times New Roman" pitchFamily="18" charset="0"/>
+              </a:rPr>
               <a:t> </a:t>
             </a:r>
             <a:r>
-              <a:rPr lang="en-US" dirty="0" err="1"/>
+              <a:rPr lang="en-US" dirty="0" err="1">
+                <a:latin typeface="Times New Roman" pitchFamily="18" charset="0"/>
+                <a:cs typeface="Times New Roman" pitchFamily="18" charset="0"/>
+              </a:rPr>
               <a:t>sebelum</a:t>
             </a:r>
             <a:r>
-              <a:rPr lang="en-US" dirty="0"/>
+              <a:rPr lang="en-US" dirty="0">
+                <a:latin typeface="Times New Roman" pitchFamily="18" charset="0"/>
+                <a:cs typeface="Times New Roman" pitchFamily="18" charset="0"/>
+              </a:rPr>
               <a:t> </a:t>
             </a:r>
             <a:r>
-              <a:rPr lang="en-US" dirty="0" err="1"/>
+              <a:rPr lang="en-US" dirty="0" err="1">
+                <a:latin typeface="Times New Roman" pitchFamily="18" charset="0"/>
+                <a:cs typeface="Times New Roman" pitchFamily="18" charset="0"/>
+              </a:rPr>
               <a:t>sempat</a:t>
             </a:r>
             <a:r>
-              <a:rPr lang="en-US" dirty="0"/>
+              <a:rPr lang="en-US" dirty="0">
+                <a:latin typeface="Times New Roman" pitchFamily="18" charset="0"/>
+                <a:cs typeface="Times New Roman" pitchFamily="18" charset="0"/>
+              </a:rPr>
               <a:t> </a:t>
             </a:r>
             <a:r>
-              <a:rPr lang="en-US" dirty="0" err="1"/>
+              <a:rPr lang="en-US" dirty="0" err="1">
+                <a:latin typeface="Times New Roman" pitchFamily="18" charset="0"/>
+                <a:cs typeface="Times New Roman" pitchFamily="18" charset="0"/>
+              </a:rPr>
               <a:t>mencetak</a:t>
             </a:r>
-            <a:endParaRPr lang="en-US" dirty="0"/>
-          </a:p>
-          <a:p>
-            <a:endParaRPr lang="en-US" dirty="0"/>
+            <a:endParaRPr lang="en-US" dirty="0">
+              <a:latin typeface="Times New Roman" pitchFamily="18" charset="0"/>
+              <a:cs typeface="Times New Roman" pitchFamily="18" charset="0"/>
+            </a:endParaRPr>
+          </a:p>
+          <a:p>
+            <a:endParaRPr lang="en-US" dirty="0">
+              <a:latin typeface="Times New Roman" pitchFamily="18" charset="0"/>
+              <a:cs typeface="Times New Roman" pitchFamily="18" charset="0"/>
+            </a:endParaRPr>
           </a:p>
         </p:txBody>
       </p:sp>
     </p:spTree>
     <p:extLst>
       <p:ext uri="{BB962C8B-B14F-4D97-AF65-F5344CB8AC3E}">
-        <p14:creationId xmlns:p14="http://schemas.microsoft.com/office/powerpoint/2010/main" val="511753045"/>
+        <p14:creationId xmlns:p14="http://schemas.microsoft.com/office/powerpoint/2010/main" xmlns="" val="511753045"/>
       </p:ext>
     </p:extLst>
   </p:cSld>
@@ -4166,10 +4376,16 @@
           <a:lstStyle/>
           <a:p>
             <a:r>
-              <a:rPr lang="en-US" dirty="0" smtClean="0"/>
+              <a:rPr lang="en-US" dirty="0" smtClean="0">
+                <a:latin typeface="Times New Roman" pitchFamily="18" charset="0"/>
+                <a:cs typeface="Times New Roman" pitchFamily="18" charset="0"/>
+              </a:rPr>
               <a:t>Continue</a:t>
             </a:r>
-            <a:endParaRPr lang="en-US" dirty="0"/>
+            <a:endParaRPr lang="en-US" dirty="0">
+              <a:latin typeface="Times New Roman" pitchFamily="18" charset="0"/>
+              <a:cs typeface="Times New Roman" pitchFamily="18" charset="0"/>
+            </a:endParaRPr>
           </a:p>
         </p:txBody>
       </p:sp>
@@ -4189,171 +4405,291 @@
           <a:lstStyle/>
           <a:p>
             <a:r>
-              <a:rPr lang="en-US" dirty="0" smtClean="0"/>
+              <a:rPr lang="en-US" dirty="0" smtClean="0">
+                <a:latin typeface="Times New Roman" pitchFamily="18" charset="0"/>
+                <a:cs typeface="Times New Roman" pitchFamily="18" charset="0"/>
+              </a:rPr>
               <a:t>Continue </a:t>
             </a:r>
             <a:r>
-              <a:rPr lang="en-US" dirty="0" err="1" smtClean="0"/>
+              <a:rPr lang="en-US" dirty="0" err="1" smtClean="0">
+                <a:latin typeface="Times New Roman" pitchFamily="18" charset="0"/>
+                <a:cs typeface="Times New Roman" pitchFamily="18" charset="0"/>
+              </a:rPr>
               <a:t>digunakan</a:t>
             </a:r>
             <a:r>
-              <a:rPr lang="en-US" dirty="0" smtClean="0"/>
+              <a:rPr lang="en-US" dirty="0" smtClean="0">
+                <a:latin typeface="Times New Roman" pitchFamily="18" charset="0"/>
+                <a:cs typeface="Times New Roman" pitchFamily="18" charset="0"/>
+              </a:rPr>
               <a:t> </a:t>
             </a:r>
             <a:r>
-              <a:rPr lang="en-US" dirty="0" err="1" smtClean="0"/>
+              <a:rPr lang="en-US" dirty="0" err="1" smtClean="0">
+                <a:latin typeface="Times New Roman" pitchFamily="18" charset="0"/>
+                <a:cs typeface="Times New Roman" pitchFamily="18" charset="0"/>
+              </a:rPr>
               <a:t>untuk</a:t>
             </a:r>
             <a:r>
-              <a:rPr lang="en-US" dirty="0" smtClean="0"/>
+              <a:rPr lang="en-US" dirty="0" smtClean="0">
+                <a:latin typeface="Times New Roman" pitchFamily="18" charset="0"/>
+                <a:cs typeface="Times New Roman" pitchFamily="18" charset="0"/>
+              </a:rPr>
               <a:t> </a:t>
             </a:r>
             <a:r>
-              <a:rPr lang="en-US" dirty="0" err="1" smtClean="0"/>
+              <a:rPr lang="en-US" dirty="0" err="1" smtClean="0">
+                <a:latin typeface="Times New Roman" pitchFamily="18" charset="0"/>
+                <a:cs typeface="Times New Roman" pitchFamily="18" charset="0"/>
+              </a:rPr>
               <a:t>melanjutkan</a:t>
             </a:r>
             <a:r>
-              <a:rPr lang="en-US" dirty="0" smtClean="0"/>
+              <a:rPr lang="en-US" dirty="0" smtClean="0">
+                <a:latin typeface="Times New Roman" pitchFamily="18" charset="0"/>
+                <a:cs typeface="Times New Roman" pitchFamily="18" charset="0"/>
+              </a:rPr>
               <a:t> </a:t>
             </a:r>
             <a:r>
-              <a:rPr lang="en-US" dirty="0" err="1" smtClean="0"/>
+              <a:rPr lang="en-US" dirty="0" err="1" smtClean="0">
+                <a:latin typeface="Times New Roman" pitchFamily="18" charset="0"/>
+                <a:cs typeface="Times New Roman" pitchFamily="18" charset="0"/>
+              </a:rPr>
               <a:t>perulangan</a:t>
             </a:r>
             <a:r>
-              <a:rPr lang="en-US" dirty="0" smtClean="0"/>
+              <a:rPr lang="en-US" dirty="0" smtClean="0">
+                <a:latin typeface="Times New Roman" pitchFamily="18" charset="0"/>
+                <a:cs typeface="Times New Roman" pitchFamily="18" charset="0"/>
+              </a:rPr>
               <a:t> </a:t>
             </a:r>
             <a:r>
-              <a:rPr lang="en-US" dirty="0" err="1" smtClean="0"/>
+              <a:rPr lang="en-US" dirty="0" err="1" smtClean="0">
+                <a:latin typeface="Times New Roman" pitchFamily="18" charset="0"/>
+                <a:cs typeface="Times New Roman" pitchFamily="18" charset="0"/>
+              </a:rPr>
               <a:t>tanpa</a:t>
             </a:r>
             <a:r>
-              <a:rPr lang="en-US" dirty="0" smtClean="0"/>
+              <a:rPr lang="en-US" dirty="0" smtClean="0">
+                <a:latin typeface="Times New Roman" pitchFamily="18" charset="0"/>
+                <a:cs typeface="Times New Roman" pitchFamily="18" charset="0"/>
+              </a:rPr>
               <a:t> </a:t>
             </a:r>
             <a:r>
-              <a:rPr lang="en-US" dirty="0" err="1" smtClean="0"/>
+              <a:rPr lang="en-US" dirty="0" err="1" smtClean="0">
+                <a:latin typeface="Times New Roman" pitchFamily="18" charset="0"/>
+                <a:cs typeface="Times New Roman" pitchFamily="18" charset="0"/>
+              </a:rPr>
               <a:t>mengeksekusi</a:t>
             </a:r>
             <a:r>
-              <a:rPr lang="en-US" dirty="0" smtClean="0"/>
+              <a:rPr lang="en-US" dirty="0" smtClean="0">
+                <a:latin typeface="Times New Roman" pitchFamily="18" charset="0"/>
+                <a:cs typeface="Times New Roman" pitchFamily="18" charset="0"/>
+              </a:rPr>
               <a:t> </a:t>
             </a:r>
             <a:r>
-              <a:rPr lang="en-US" dirty="0" err="1" smtClean="0"/>
+              <a:rPr lang="en-US" dirty="0" err="1" smtClean="0">
+                <a:latin typeface="Times New Roman" pitchFamily="18" charset="0"/>
+                <a:cs typeface="Times New Roman" pitchFamily="18" charset="0"/>
+              </a:rPr>
               <a:t>baris</a:t>
             </a:r>
             <a:r>
-              <a:rPr lang="en-US" dirty="0" smtClean="0"/>
+              <a:rPr lang="en-US" dirty="0" smtClean="0">
+                <a:latin typeface="Times New Roman" pitchFamily="18" charset="0"/>
+                <a:cs typeface="Times New Roman" pitchFamily="18" charset="0"/>
+              </a:rPr>
               <a:t> </a:t>
             </a:r>
             <a:r>
-              <a:rPr lang="en-US" dirty="0" err="1" smtClean="0"/>
+              <a:rPr lang="en-US" dirty="0" err="1" smtClean="0">
+                <a:latin typeface="Times New Roman" pitchFamily="18" charset="0"/>
+                <a:cs typeface="Times New Roman" pitchFamily="18" charset="0"/>
+              </a:rPr>
               <a:t>dibawah</a:t>
             </a:r>
             <a:r>
-              <a:rPr lang="en-US" dirty="0" smtClean="0"/>
+              <a:rPr lang="en-US" dirty="0" smtClean="0">
+                <a:latin typeface="Times New Roman" pitchFamily="18" charset="0"/>
+                <a:cs typeface="Times New Roman" pitchFamily="18" charset="0"/>
+              </a:rPr>
               <a:t>.</a:t>
             </a:r>
           </a:p>
           <a:p>
             <a:r>
-              <a:rPr lang="en-US" dirty="0" err="1" smtClean="0"/>
+              <a:rPr lang="en-US" dirty="0" err="1" smtClean="0">
+                <a:latin typeface="Times New Roman" pitchFamily="18" charset="0"/>
+                <a:cs typeface="Times New Roman" pitchFamily="18" charset="0"/>
+              </a:rPr>
               <a:t>Apabila</a:t>
             </a:r>
             <a:r>
-              <a:rPr lang="en-US" dirty="0" smtClean="0"/>
+              <a:rPr lang="en-US" dirty="0" smtClean="0">
+                <a:latin typeface="Times New Roman" pitchFamily="18" charset="0"/>
+                <a:cs typeface="Times New Roman" pitchFamily="18" charset="0"/>
+              </a:rPr>
               <a:t> </a:t>
             </a:r>
             <a:r>
-              <a:rPr lang="en-US" dirty="0" err="1" smtClean="0"/>
+              <a:rPr lang="en-US" dirty="0" err="1" smtClean="0">
+                <a:latin typeface="Times New Roman" pitchFamily="18" charset="0"/>
+                <a:cs typeface="Times New Roman" pitchFamily="18" charset="0"/>
+              </a:rPr>
               <a:t>menemukan</a:t>
             </a:r>
             <a:r>
-              <a:rPr lang="en-US" dirty="0" smtClean="0"/>
+              <a:rPr lang="en-US" dirty="0" smtClean="0">
+                <a:latin typeface="Times New Roman" pitchFamily="18" charset="0"/>
+                <a:cs typeface="Times New Roman" pitchFamily="18" charset="0"/>
+              </a:rPr>
               <a:t> keyword continue, </a:t>
             </a:r>
             <a:r>
-              <a:rPr lang="en-US" dirty="0" err="1" smtClean="0"/>
+              <a:rPr lang="en-US" dirty="0" err="1" smtClean="0">
+                <a:latin typeface="Times New Roman" pitchFamily="18" charset="0"/>
+                <a:cs typeface="Times New Roman" pitchFamily="18" charset="0"/>
+              </a:rPr>
               <a:t>maka</a:t>
             </a:r>
             <a:r>
-              <a:rPr lang="en-US" dirty="0" smtClean="0"/>
+              <a:rPr lang="en-US" dirty="0" smtClean="0">
+                <a:latin typeface="Times New Roman" pitchFamily="18" charset="0"/>
+                <a:cs typeface="Times New Roman" pitchFamily="18" charset="0"/>
+              </a:rPr>
               <a:t> </a:t>
             </a:r>
             <a:r>
-              <a:rPr lang="en-US" dirty="0" err="1" smtClean="0"/>
+              <a:rPr lang="en-US" dirty="0" err="1" smtClean="0">
+                <a:latin typeface="Times New Roman" pitchFamily="18" charset="0"/>
+                <a:cs typeface="Times New Roman" pitchFamily="18" charset="0"/>
+              </a:rPr>
               <a:t>perulangan</a:t>
             </a:r>
             <a:r>
-              <a:rPr lang="en-US" dirty="0" smtClean="0"/>
+              <a:rPr lang="en-US" dirty="0" smtClean="0">
+                <a:latin typeface="Times New Roman" pitchFamily="18" charset="0"/>
+                <a:cs typeface="Times New Roman" pitchFamily="18" charset="0"/>
+              </a:rPr>
               <a:t> </a:t>
             </a:r>
             <a:r>
-              <a:rPr lang="en-US" dirty="0" err="1" smtClean="0"/>
+              <a:rPr lang="en-US" dirty="0" err="1" smtClean="0">
+                <a:latin typeface="Times New Roman" pitchFamily="18" charset="0"/>
+                <a:cs typeface="Times New Roman" pitchFamily="18" charset="0"/>
+              </a:rPr>
               <a:t>akan</a:t>
             </a:r>
             <a:r>
-              <a:rPr lang="en-US" dirty="0" smtClean="0"/>
+              <a:rPr lang="en-US" dirty="0" smtClean="0">
+                <a:latin typeface="Times New Roman" pitchFamily="18" charset="0"/>
+                <a:cs typeface="Times New Roman" pitchFamily="18" charset="0"/>
+              </a:rPr>
               <a:t> </a:t>
             </a:r>
             <a:r>
-              <a:rPr lang="en-US" dirty="0" err="1" smtClean="0"/>
+              <a:rPr lang="en-US" dirty="0" err="1" smtClean="0">
+                <a:latin typeface="Times New Roman" pitchFamily="18" charset="0"/>
+                <a:cs typeface="Times New Roman" pitchFamily="18" charset="0"/>
+              </a:rPr>
               <a:t>berhenti</a:t>
             </a:r>
             <a:r>
-              <a:rPr lang="en-US" dirty="0" smtClean="0"/>
+              <a:rPr lang="en-US" dirty="0" smtClean="0">
+                <a:latin typeface="Times New Roman" pitchFamily="18" charset="0"/>
+                <a:cs typeface="Times New Roman" pitchFamily="18" charset="0"/>
+              </a:rPr>
               <a:t> </a:t>
             </a:r>
             <a:r>
-              <a:rPr lang="en-US" dirty="0" err="1" smtClean="0"/>
+              <a:rPr lang="en-US" dirty="0" err="1" smtClean="0">
+                <a:latin typeface="Times New Roman" pitchFamily="18" charset="0"/>
+                <a:cs typeface="Times New Roman" pitchFamily="18" charset="0"/>
+              </a:rPr>
               <a:t>tetapi</a:t>
             </a:r>
             <a:r>
-              <a:rPr lang="en-US" dirty="0" smtClean="0"/>
+              <a:rPr lang="en-US" dirty="0" smtClean="0">
+                <a:latin typeface="Times New Roman" pitchFamily="18" charset="0"/>
+                <a:cs typeface="Times New Roman" pitchFamily="18" charset="0"/>
+              </a:rPr>
               <a:t> </a:t>
             </a:r>
             <a:r>
-              <a:rPr lang="en-US" dirty="0" err="1" smtClean="0"/>
+              <a:rPr lang="en-US" dirty="0" err="1" smtClean="0">
+                <a:latin typeface="Times New Roman" pitchFamily="18" charset="0"/>
+                <a:cs typeface="Times New Roman" pitchFamily="18" charset="0"/>
+              </a:rPr>
               <a:t>lanjut</a:t>
             </a:r>
             <a:r>
-              <a:rPr lang="en-US" dirty="0" smtClean="0"/>
+              <a:rPr lang="en-US" dirty="0" smtClean="0">
+                <a:latin typeface="Times New Roman" pitchFamily="18" charset="0"/>
+                <a:cs typeface="Times New Roman" pitchFamily="18" charset="0"/>
+              </a:rPr>
               <a:t> </a:t>
             </a:r>
             <a:r>
-              <a:rPr lang="en-US" dirty="0" err="1" smtClean="0"/>
+              <a:rPr lang="en-US" dirty="0" err="1" smtClean="0">
+                <a:latin typeface="Times New Roman" pitchFamily="18" charset="0"/>
+                <a:cs typeface="Times New Roman" pitchFamily="18" charset="0"/>
+              </a:rPr>
               <a:t>ke</a:t>
             </a:r>
             <a:r>
-              <a:rPr lang="en-US" dirty="0" smtClean="0"/>
+              <a:rPr lang="en-US" dirty="0" smtClean="0">
+                <a:latin typeface="Times New Roman" pitchFamily="18" charset="0"/>
+                <a:cs typeface="Times New Roman" pitchFamily="18" charset="0"/>
+              </a:rPr>
               <a:t> </a:t>
             </a:r>
             <a:r>
-              <a:rPr lang="en-US" dirty="0" err="1" smtClean="0"/>
+              <a:rPr lang="en-US" dirty="0" err="1" smtClean="0">
+                <a:latin typeface="Times New Roman" pitchFamily="18" charset="0"/>
+                <a:cs typeface="Times New Roman" pitchFamily="18" charset="0"/>
+              </a:rPr>
               <a:t>eksekusi</a:t>
             </a:r>
             <a:r>
-              <a:rPr lang="en-US" dirty="0" smtClean="0"/>
+              <a:rPr lang="en-US" dirty="0" smtClean="0">
+                <a:latin typeface="Times New Roman" pitchFamily="18" charset="0"/>
+                <a:cs typeface="Times New Roman" pitchFamily="18" charset="0"/>
+              </a:rPr>
               <a:t> </a:t>
             </a:r>
             <a:r>
-              <a:rPr lang="en-US" dirty="0" err="1" smtClean="0"/>
+              <a:rPr lang="en-US" dirty="0" err="1" smtClean="0">
+                <a:latin typeface="Times New Roman" pitchFamily="18" charset="0"/>
+                <a:cs typeface="Times New Roman" pitchFamily="18" charset="0"/>
+              </a:rPr>
               <a:t>berikutnya</a:t>
             </a:r>
             <a:r>
-              <a:rPr lang="en-US" dirty="0" smtClean="0"/>
+              <a:rPr lang="en-US" dirty="0" smtClean="0">
+                <a:latin typeface="Times New Roman" pitchFamily="18" charset="0"/>
+                <a:cs typeface="Times New Roman" pitchFamily="18" charset="0"/>
+              </a:rPr>
               <a:t>.</a:t>
             </a:r>
-            <a:endParaRPr lang="en-US" dirty="0"/>
+            <a:endParaRPr lang="en-US" dirty="0">
+              <a:latin typeface="Times New Roman" pitchFamily="18" charset="0"/>
+              <a:cs typeface="Times New Roman" pitchFamily="18" charset="0"/>
+            </a:endParaRPr>
           </a:p>
         </p:txBody>
       </p:sp>
     </p:spTree>
     <p:extLst>
       <p:ext uri="{BB962C8B-B14F-4D97-AF65-F5344CB8AC3E}">
-        <p14:creationId xmlns:p14="http://schemas.microsoft.com/office/powerpoint/2010/main" val="1363311911"/>
+        <p14:creationId xmlns:p14="http://schemas.microsoft.com/office/powerpoint/2010/main" xmlns="" val="1363311911"/>
       </p:ext>
     </p:extLst>
   </p:cSld>
@@ -4396,14 +4732,23 @@
           <a:lstStyle/>
           <a:p>
             <a:r>
-              <a:rPr lang="en-US" dirty="0" err="1" smtClean="0"/>
+              <a:rPr lang="en-US" dirty="0" err="1" smtClean="0">
+                <a:latin typeface="Times New Roman" pitchFamily="18" charset="0"/>
+                <a:cs typeface="Times New Roman" pitchFamily="18" charset="0"/>
+              </a:rPr>
               <a:t>Contoh</a:t>
             </a:r>
             <a:r>
-              <a:rPr lang="en-US" dirty="0" smtClean="0"/>
+              <a:rPr lang="en-US" dirty="0" smtClean="0">
+                <a:latin typeface="Times New Roman" pitchFamily="18" charset="0"/>
+                <a:cs typeface="Times New Roman" pitchFamily="18" charset="0"/>
+              </a:rPr>
               <a:t> Continue</a:t>
             </a:r>
-            <a:endParaRPr lang="en-US" dirty="0"/>
+            <a:endParaRPr lang="en-US" dirty="0">
+              <a:latin typeface="Times New Roman" pitchFamily="18" charset="0"/>
+              <a:cs typeface="Times New Roman" pitchFamily="18" charset="0"/>
+            </a:endParaRPr>
           </a:p>
         </p:txBody>
       </p:sp>
@@ -4426,15 +4771,24 @@
               <a:buNone/>
             </a:pPr>
             <a:r>
-              <a:rPr lang="en-US" dirty="0"/>
+              <a:rPr lang="en-US" dirty="0">
+                <a:latin typeface="Times New Roman" pitchFamily="18" charset="0"/>
+                <a:cs typeface="Times New Roman" pitchFamily="18" charset="0"/>
+              </a:rPr>
               <a:t>for </a:t>
             </a:r>
             <a:r>
-              <a:rPr lang="en-US" dirty="0" err="1"/>
+              <a:rPr lang="en-US" dirty="0" err="1">
+                <a:latin typeface="Times New Roman" pitchFamily="18" charset="0"/>
+                <a:cs typeface="Times New Roman" pitchFamily="18" charset="0"/>
+              </a:rPr>
               <a:t>i</a:t>
             </a:r>
             <a:r>
-              <a:rPr lang="en-US" dirty="0"/>
+              <a:rPr lang="en-US" dirty="0">
+                <a:latin typeface="Times New Roman" pitchFamily="18" charset="0"/>
+                <a:cs typeface="Times New Roman" pitchFamily="18" charset="0"/>
+              </a:rPr>
               <a:t> in range(1,6):</a:t>
             </a:r>
           </a:p>
@@ -4443,15 +4797,24 @@
               <a:buNone/>
             </a:pPr>
             <a:r>
-              <a:rPr lang="en-US" dirty="0"/>
+              <a:rPr lang="en-US" dirty="0">
+                <a:latin typeface="Times New Roman" pitchFamily="18" charset="0"/>
+                <a:cs typeface="Times New Roman" pitchFamily="18" charset="0"/>
+              </a:rPr>
               <a:t>    if </a:t>
             </a:r>
             <a:r>
-              <a:rPr lang="en-US" dirty="0" err="1"/>
+              <a:rPr lang="en-US" dirty="0" err="1">
+                <a:latin typeface="Times New Roman" pitchFamily="18" charset="0"/>
+                <a:cs typeface="Times New Roman" pitchFamily="18" charset="0"/>
+              </a:rPr>
               <a:t>i</a:t>
             </a:r>
             <a:r>
-              <a:rPr lang="en-US" dirty="0"/>
+              <a:rPr lang="en-US" dirty="0">
+                <a:latin typeface="Times New Roman" pitchFamily="18" charset="0"/>
+                <a:cs typeface="Times New Roman" pitchFamily="18" charset="0"/>
+              </a:rPr>
               <a:t>==4:</a:t>
             </a:r>
           </a:p>
@@ -4460,7 +4823,10 @@
               <a:buNone/>
             </a:pPr>
             <a:r>
-              <a:rPr lang="en-US" dirty="0"/>
+              <a:rPr lang="en-US" dirty="0">
+                <a:latin typeface="Times New Roman" pitchFamily="18" charset="0"/>
+                <a:cs typeface="Times New Roman" pitchFamily="18" charset="0"/>
+              </a:rPr>
               <a:t>        continue</a:t>
             </a:r>
           </a:p>
@@ -4469,15 +4835,24 @@
               <a:buNone/>
             </a:pPr>
             <a:r>
-              <a:rPr lang="en-US" dirty="0"/>
+              <a:rPr lang="en-US" dirty="0">
+                <a:latin typeface="Times New Roman" pitchFamily="18" charset="0"/>
+                <a:cs typeface="Times New Roman" pitchFamily="18" charset="0"/>
+              </a:rPr>
               <a:t>    print(</a:t>
             </a:r>
             <a:r>
-              <a:rPr lang="en-US" dirty="0" err="1"/>
+              <a:rPr lang="en-US" dirty="0" err="1">
+                <a:latin typeface="Times New Roman" pitchFamily="18" charset="0"/>
+                <a:cs typeface="Times New Roman" pitchFamily="18" charset="0"/>
+              </a:rPr>
               <a:t>i</a:t>
             </a:r>
             <a:r>
-              <a:rPr lang="en-US" dirty="0"/>
+              <a:rPr lang="en-US" dirty="0">
+                <a:latin typeface="Times New Roman" pitchFamily="18" charset="0"/>
+                <a:cs typeface="Times New Roman" pitchFamily="18" charset="0"/>
+              </a:rPr>
               <a:t>)</a:t>
             </a:r>
           </a:p>
@@ -4486,31 +4861,52 @@
               <a:buNone/>
             </a:pPr>
             <a:r>
-              <a:rPr lang="en-US" dirty="0"/>
+              <a:rPr lang="en-US" dirty="0">
+                <a:latin typeface="Times New Roman" pitchFamily="18" charset="0"/>
+                <a:cs typeface="Times New Roman" pitchFamily="18" charset="0"/>
+              </a:rPr>
               <a:t>#</a:t>
             </a:r>
             <a:r>
-              <a:rPr lang="en-US" dirty="0" err="1"/>
+              <a:rPr lang="en-US" dirty="0" err="1">
+                <a:latin typeface="Times New Roman" pitchFamily="18" charset="0"/>
+                <a:cs typeface="Times New Roman" pitchFamily="18" charset="0"/>
+              </a:rPr>
               <a:t>Maka</a:t>
             </a:r>
             <a:r>
-              <a:rPr lang="en-US" dirty="0"/>
+              <a:rPr lang="en-US" dirty="0">
+                <a:latin typeface="Times New Roman" pitchFamily="18" charset="0"/>
+                <a:cs typeface="Times New Roman" pitchFamily="18" charset="0"/>
+              </a:rPr>
               <a:t> yang </a:t>
             </a:r>
             <a:r>
-              <a:rPr lang="en-US" dirty="0" err="1"/>
+              <a:rPr lang="en-US" dirty="0" err="1">
+                <a:latin typeface="Times New Roman" pitchFamily="18" charset="0"/>
+                <a:cs typeface="Times New Roman" pitchFamily="18" charset="0"/>
+              </a:rPr>
               <a:t>dicetak</a:t>
             </a:r>
             <a:r>
-              <a:rPr lang="en-US" dirty="0"/>
+              <a:rPr lang="en-US" dirty="0">
+                <a:latin typeface="Times New Roman" pitchFamily="18" charset="0"/>
+                <a:cs typeface="Times New Roman" pitchFamily="18" charset="0"/>
+              </a:rPr>
               <a:t> </a:t>
             </a:r>
             <a:r>
-              <a:rPr lang="en-US" dirty="0" err="1"/>
+              <a:rPr lang="en-US" dirty="0" err="1">
+                <a:latin typeface="Times New Roman" pitchFamily="18" charset="0"/>
+                <a:cs typeface="Times New Roman" pitchFamily="18" charset="0"/>
+              </a:rPr>
               <a:t>adalah</a:t>
             </a:r>
             <a:r>
-              <a:rPr lang="en-US" dirty="0"/>
+              <a:rPr lang="en-US" dirty="0">
+                <a:latin typeface="Times New Roman" pitchFamily="18" charset="0"/>
+                <a:cs typeface="Times New Roman" pitchFamily="18" charset="0"/>
+              </a:rPr>
               <a:t> 1,2,3,5</a:t>
             </a:r>
           </a:p>
@@ -4519,107 +4915,179 @@
               <a:buNone/>
             </a:pPr>
             <a:r>
-              <a:rPr lang="en-US" dirty="0"/>
+              <a:rPr lang="en-US" dirty="0">
+                <a:latin typeface="Times New Roman" pitchFamily="18" charset="0"/>
+                <a:cs typeface="Times New Roman" pitchFamily="18" charset="0"/>
+              </a:rPr>
               <a:t>#</a:t>
             </a:r>
             <a:r>
-              <a:rPr lang="en-US" dirty="0" err="1"/>
+              <a:rPr lang="en-US" dirty="0" err="1">
+                <a:latin typeface="Times New Roman" pitchFamily="18" charset="0"/>
+                <a:cs typeface="Times New Roman" pitchFamily="18" charset="0"/>
+              </a:rPr>
               <a:t>Pada</a:t>
             </a:r>
             <a:r>
-              <a:rPr lang="en-US" dirty="0"/>
+              <a:rPr lang="en-US" dirty="0">
+                <a:latin typeface="Times New Roman" pitchFamily="18" charset="0"/>
+                <a:cs typeface="Times New Roman" pitchFamily="18" charset="0"/>
+              </a:rPr>
               <a:t> </a:t>
             </a:r>
             <a:r>
-              <a:rPr lang="en-US" dirty="0" err="1"/>
+              <a:rPr lang="en-US" dirty="0" err="1">
+                <a:latin typeface="Times New Roman" pitchFamily="18" charset="0"/>
+                <a:cs typeface="Times New Roman" pitchFamily="18" charset="0"/>
+              </a:rPr>
               <a:t>saat</a:t>
             </a:r>
             <a:r>
-              <a:rPr lang="en-US" dirty="0"/>
+              <a:rPr lang="en-US" dirty="0">
+                <a:latin typeface="Times New Roman" pitchFamily="18" charset="0"/>
+                <a:cs typeface="Times New Roman" pitchFamily="18" charset="0"/>
+              </a:rPr>
               <a:t> </a:t>
             </a:r>
             <a:r>
-              <a:rPr lang="en-US" dirty="0" err="1"/>
+              <a:rPr lang="en-US" dirty="0" err="1">
+                <a:latin typeface="Times New Roman" pitchFamily="18" charset="0"/>
+                <a:cs typeface="Times New Roman" pitchFamily="18" charset="0"/>
+              </a:rPr>
               <a:t>i</a:t>
             </a:r>
             <a:r>
-              <a:rPr lang="en-US" dirty="0"/>
+              <a:rPr lang="en-US" dirty="0">
+                <a:latin typeface="Times New Roman" pitchFamily="18" charset="0"/>
+                <a:cs typeface="Times New Roman" pitchFamily="18" charset="0"/>
+              </a:rPr>
               <a:t> </a:t>
             </a:r>
             <a:r>
-              <a:rPr lang="en-US" dirty="0" err="1"/>
+              <a:rPr lang="en-US" dirty="0" err="1">
+                <a:latin typeface="Times New Roman" pitchFamily="18" charset="0"/>
+                <a:cs typeface="Times New Roman" pitchFamily="18" charset="0"/>
+              </a:rPr>
               <a:t>mencapai</a:t>
             </a:r>
             <a:r>
-              <a:rPr lang="en-US" dirty="0"/>
+              <a:rPr lang="en-US" dirty="0">
+                <a:latin typeface="Times New Roman" pitchFamily="18" charset="0"/>
+                <a:cs typeface="Times New Roman" pitchFamily="18" charset="0"/>
+              </a:rPr>
               <a:t> </a:t>
             </a:r>
             <a:r>
-              <a:rPr lang="en-US" dirty="0" err="1"/>
+              <a:rPr lang="en-US" dirty="0" err="1">
+                <a:latin typeface="Times New Roman" pitchFamily="18" charset="0"/>
+                <a:cs typeface="Times New Roman" pitchFamily="18" charset="0"/>
+              </a:rPr>
               <a:t>nilai</a:t>
             </a:r>
             <a:r>
-              <a:rPr lang="en-US" dirty="0"/>
+              <a:rPr lang="en-US" dirty="0">
+                <a:latin typeface="Times New Roman" pitchFamily="18" charset="0"/>
+                <a:cs typeface="Times New Roman" pitchFamily="18" charset="0"/>
+              </a:rPr>
               <a:t> 4, </a:t>
             </a:r>
             <a:r>
-              <a:rPr lang="en-US" dirty="0" err="1"/>
+              <a:rPr lang="en-US" dirty="0" err="1">
+                <a:latin typeface="Times New Roman" pitchFamily="18" charset="0"/>
+                <a:cs typeface="Times New Roman" pitchFamily="18" charset="0"/>
+              </a:rPr>
               <a:t>perulangan</a:t>
             </a:r>
             <a:r>
-              <a:rPr lang="en-US" dirty="0"/>
+              <a:rPr lang="en-US" dirty="0">
+                <a:latin typeface="Times New Roman" pitchFamily="18" charset="0"/>
+                <a:cs typeface="Times New Roman" pitchFamily="18" charset="0"/>
+              </a:rPr>
               <a:t> </a:t>
             </a:r>
             <a:r>
-              <a:rPr lang="en-US" dirty="0" err="1"/>
+              <a:rPr lang="en-US" dirty="0" err="1">
+                <a:latin typeface="Times New Roman" pitchFamily="18" charset="0"/>
+                <a:cs typeface="Times New Roman" pitchFamily="18" charset="0"/>
+              </a:rPr>
               <a:t>langsung</a:t>
             </a:r>
             <a:r>
-              <a:rPr lang="en-US" dirty="0"/>
+              <a:rPr lang="en-US" dirty="0">
+                <a:latin typeface="Times New Roman" pitchFamily="18" charset="0"/>
+                <a:cs typeface="Times New Roman" pitchFamily="18" charset="0"/>
+              </a:rPr>
               <a:t> </a:t>
             </a:r>
             <a:r>
-              <a:rPr lang="en-US" dirty="0" err="1"/>
+              <a:rPr lang="en-US" dirty="0" err="1">
+                <a:latin typeface="Times New Roman" pitchFamily="18" charset="0"/>
+                <a:cs typeface="Times New Roman" pitchFamily="18" charset="0"/>
+              </a:rPr>
               <a:t>berhenti</a:t>
             </a:r>
             <a:r>
-              <a:rPr lang="en-US" dirty="0"/>
+              <a:rPr lang="en-US" dirty="0">
+                <a:latin typeface="Times New Roman" pitchFamily="18" charset="0"/>
+                <a:cs typeface="Times New Roman" pitchFamily="18" charset="0"/>
+              </a:rPr>
               <a:t> </a:t>
             </a:r>
             <a:r>
-              <a:rPr lang="en-US" dirty="0" err="1"/>
+              <a:rPr lang="en-US" dirty="0" err="1">
+                <a:latin typeface="Times New Roman" pitchFamily="18" charset="0"/>
+                <a:cs typeface="Times New Roman" pitchFamily="18" charset="0"/>
+              </a:rPr>
               <a:t>sebelum</a:t>
             </a:r>
             <a:r>
-              <a:rPr lang="en-US" dirty="0"/>
+              <a:rPr lang="en-US" dirty="0">
+                <a:latin typeface="Times New Roman" pitchFamily="18" charset="0"/>
+                <a:cs typeface="Times New Roman" pitchFamily="18" charset="0"/>
+              </a:rPr>
               <a:t> </a:t>
             </a:r>
             <a:r>
-              <a:rPr lang="en-US" dirty="0" err="1"/>
+              <a:rPr lang="en-US" dirty="0" err="1">
+                <a:latin typeface="Times New Roman" pitchFamily="18" charset="0"/>
+                <a:cs typeface="Times New Roman" pitchFamily="18" charset="0"/>
+              </a:rPr>
               <a:t>sempat</a:t>
             </a:r>
             <a:r>
-              <a:rPr lang="en-US" dirty="0"/>
+              <a:rPr lang="en-US" dirty="0">
+                <a:latin typeface="Times New Roman" pitchFamily="18" charset="0"/>
+                <a:cs typeface="Times New Roman" pitchFamily="18" charset="0"/>
+              </a:rPr>
               <a:t> </a:t>
             </a:r>
             <a:r>
-              <a:rPr lang="en-US" dirty="0" err="1"/>
+              <a:rPr lang="en-US" dirty="0" err="1">
+                <a:latin typeface="Times New Roman" pitchFamily="18" charset="0"/>
+                <a:cs typeface="Times New Roman" pitchFamily="18" charset="0"/>
+              </a:rPr>
               <a:t>mencetak</a:t>
             </a:r>
-            <a:endParaRPr lang="en-US" dirty="0"/>
+            <a:endParaRPr lang="en-US" dirty="0">
+              <a:latin typeface="Times New Roman" pitchFamily="18" charset="0"/>
+              <a:cs typeface="Times New Roman" pitchFamily="18" charset="0"/>
+            </a:endParaRPr>
           </a:p>
           <a:p>
             <a:pPr marL="0" indent="0">
               <a:buNone/>
             </a:pPr>
-            <a:endParaRPr lang="en-US" dirty="0"/>
+            <a:endParaRPr lang="en-US" dirty="0">
+              <a:latin typeface="Times New Roman" pitchFamily="18" charset="0"/>
+              <a:cs typeface="Times New Roman" pitchFamily="18" charset="0"/>
+            </a:endParaRPr>
           </a:p>
         </p:txBody>
       </p:sp>
     </p:spTree>
     <p:extLst>
       <p:ext uri="{BB962C8B-B14F-4D97-AF65-F5344CB8AC3E}">
-        <p14:creationId xmlns:p14="http://schemas.microsoft.com/office/powerpoint/2010/main" val="460003052"/>
+        <p14:creationId xmlns:p14="http://schemas.microsoft.com/office/powerpoint/2010/main" xmlns="" val="460003052"/>
       </p:ext>
     </p:extLst>
   </p:cSld>
